--- a/trunk/preliminary/Working/presentations/KeyStone Resource Manager.pptx
+++ b/trunk/preliminary/Working/presentations/KeyStone Resource Manager.pptx
@@ -237,7 +237,7 @@
             <a:fld id="{DA19D19B-3CD0-4E95-9681-4D392849D34D}" type="datetimeFigureOut">
               <a:rPr lang="en-US" smtClean="0"/>
               <a:pPr/>
-              <a:t>6/21/2012</a:t>
+              <a:t>8/19/2013</a:t>
             </a:fld>
             <a:endParaRPr lang="en-US"/>
           </a:p>
@@ -788,7 +788,7 @@
             <a:fld id="{05FA3691-EA1F-4A54-96CE-8121FBDB3308}" type="datetimeFigureOut">
               <a:rPr lang="en-US" smtClean="0"/>
               <a:pPr/>
-              <a:t>6/21/2012</a:t>
+              <a:t>8/19/2013</a:t>
             </a:fld>
             <a:endParaRPr lang="en-US" dirty="0"/>
           </a:p>
@@ -955,7 +955,7 @@
             <a:fld id="{05FA3691-EA1F-4A54-96CE-8121FBDB3308}" type="datetimeFigureOut">
               <a:rPr lang="en-US" smtClean="0"/>
               <a:pPr/>
-              <a:t>6/21/2012</a:t>
+              <a:t>8/19/2013</a:t>
             </a:fld>
             <a:endParaRPr lang="en-US" dirty="0"/>
           </a:p>
@@ -1132,7 +1132,7 @@
             <a:fld id="{05FA3691-EA1F-4A54-96CE-8121FBDB3308}" type="datetimeFigureOut">
               <a:rPr lang="en-US" smtClean="0"/>
               <a:pPr/>
-              <a:t>6/21/2012</a:t>
+              <a:t>8/19/2013</a:t>
             </a:fld>
             <a:endParaRPr lang="en-US" dirty="0"/>
           </a:p>
@@ -1299,7 +1299,7 @@
             <a:fld id="{05FA3691-EA1F-4A54-96CE-8121FBDB3308}" type="datetimeFigureOut">
               <a:rPr lang="en-US" smtClean="0"/>
               <a:pPr/>
-              <a:t>6/21/2012</a:t>
+              <a:t>8/19/2013</a:t>
             </a:fld>
             <a:endParaRPr lang="en-US" dirty="0"/>
           </a:p>
@@ -1542,7 +1542,7 @@
             <a:fld id="{05FA3691-EA1F-4A54-96CE-8121FBDB3308}" type="datetimeFigureOut">
               <a:rPr lang="en-US" smtClean="0"/>
               <a:pPr/>
-              <a:t>6/21/2012</a:t>
+              <a:t>8/19/2013</a:t>
             </a:fld>
             <a:endParaRPr lang="en-US" dirty="0"/>
           </a:p>
@@ -1827,7 +1827,7 @@
             <a:fld id="{05FA3691-EA1F-4A54-96CE-8121FBDB3308}" type="datetimeFigureOut">
               <a:rPr lang="en-US" smtClean="0"/>
               <a:pPr/>
-              <a:t>6/21/2012</a:t>
+              <a:t>8/19/2013</a:t>
             </a:fld>
             <a:endParaRPr lang="en-US" dirty="0"/>
           </a:p>
@@ -2246,7 +2246,7 @@
             <a:fld id="{05FA3691-EA1F-4A54-96CE-8121FBDB3308}" type="datetimeFigureOut">
               <a:rPr lang="en-US" smtClean="0"/>
               <a:pPr/>
-              <a:t>6/21/2012</a:t>
+              <a:t>8/19/2013</a:t>
             </a:fld>
             <a:endParaRPr lang="en-US" dirty="0"/>
           </a:p>
@@ -2361,7 +2361,7 @@
             <a:fld id="{05FA3691-EA1F-4A54-96CE-8121FBDB3308}" type="datetimeFigureOut">
               <a:rPr lang="en-US" smtClean="0"/>
               <a:pPr/>
-              <a:t>6/21/2012</a:t>
+              <a:t>8/19/2013</a:t>
             </a:fld>
             <a:endParaRPr lang="en-US" dirty="0"/>
           </a:p>
@@ -2453,7 +2453,7 @@
             <a:fld id="{05FA3691-EA1F-4A54-96CE-8121FBDB3308}" type="datetimeFigureOut">
               <a:rPr lang="en-US" smtClean="0"/>
               <a:pPr/>
-              <a:t>6/21/2012</a:t>
+              <a:t>8/19/2013</a:t>
             </a:fld>
             <a:endParaRPr lang="en-US" dirty="0"/>
           </a:p>
@@ -2727,7 +2727,7 @@
             <a:fld id="{05FA3691-EA1F-4A54-96CE-8121FBDB3308}" type="datetimeFigureOut">
               <a:rPr lang="en-US" smtClean="0"/>
               <a:pPr/>
-              <a:t>6/21/2012</a:t>
+              <a:t>8/19/2013</a:t>
             </a:fld>
             <a:endParaRPr lang="en-US" dirty="0"/>
           </a:p>
@@ -2977,7 +2977,7 @@
             <a:fld id="{05FA3691-EA1F-4A54-96CE-8121FBDB3308}" type="datetimeFigureOut">
               <a:rPr lang="en-US" smtClean="0"/>
               <a:pPr/>
-              <a:t>6/21/2012</a:t>
+              <a:t>8/19/2013</a:t>
             </a:fld>
             <a:endParaRPr lang="en-US" dirty="0"/>
           </a:p>
@@ -3187,7 +3187,7 @@
             <a:fld id="{05FA3691-EA1F-4A54-96CE-8121FBDB3308}" type="datetimeFigureOut">
               <a:rPr lang="en-US" smtClean="0"/>
               <a:pPr/>
-              <a:t>6/21/2012</a:t>
+              <a:t>8/19/2013</a:t>
             </a:fld>
             <a:endParaRPr lang="en-US" dirty="0"/>
           </a:p>
